--- a/Vyakarana_sahitya_2/Mobile_Photos/karakani.pptx
+++ b/Vyakarana_sahitya_2/Mobile_Photos/karakani.pptx
@@ -3271,6 +3271,13 @@
         </dgm:presLayoutVars>
       </dgm:prSet>
       <dgm:spPr/>
+      <dgm:t>
+        <a:bodyPr/>
+        <a:lstStyle/>
+        <a:p>
+          <a:endParaRPr lang="en-US"/>
+        </a:p>
+      </dgm:t>
     </dgm:pt>
     <dgm:pt modelId="{AFC102AD-2A1E-493E-84BD-BFA1D1397BF1}" type="pres">
       <dgm:prSet presAssocID="{5935567E-06A3-4FA9-AD43-73182E6DC63A}" presName="parentText" presStyleLbl="node1" presStyleIdx="0" presStyleCnt="2">
@@ -3280,6 +3287,13 @@
         </dgm:presLayoutVars>
       </dgm:prSet>
       <dgm:spPr/>
+      <dgm:t>
+        <a:bodyPr/>
+        <a:lstStyle/>
+        <a:p>
+          <a:endParaRPr lang="en-US"/>
+        </a:p>
+      </dgm:t>
     </dgm:pt>
     <dgm:pt modelId="{C1663139-FB31-4872-9AC8-1FB8E5922FDD}" type="pres">
       <dgm:prSet presAssocID="{5935567E-06A3-4FA9-AD43-73182E6DC63A}" presName="childText" presStyleLbl="revTx" presStyleIdx="0" presStyleCnt="2">
@@ -3329,15 +3343,15 @@
     </dgm:pt>
   </dgm:ptLst>
   <dgm:cxnLst>
+    <dgm:cxn modelId="{F385B72B-CB8B-4C9B-BE64-90B93F01F3BA}" type="presOf" srcId="{3C889873-A69A-4A7A-AC12-E4F452CD6DEC}" destId="{0B3B7378-459D-4493-B7B9-DA931965AEAF}" srcOrd="0" destOrd="0" presId="urn:microsoft.com/office/officeart/2005/8/layout/vList2"/>
+    <dgm:cxn modelId="{E07E4810-6083-42A1-B98A-DB68796BA1DF}" type="presOf" srcId="{5935567E-06A3-4FA9-AD43-73182E6DC63A}" destId="{AFC102AD-2A1E-493E-84BD-BFA1D1397BF1}" srcOrd="0" destOrd="0" presId="urn:microsoft.com/office/officeart/2005/8/layout/vList2"/>
+    <dgm:cxn modelId="{ED0CCFD9-6EEA-42E0-BEA3-D4E4C9719E63}" srcId="{71E040A0-225E-478F-B0F7-F62ADA355FD8}" destId="{1197B809-D8A8-445F-954D-7D0DB77EB290}" srcOrd="0" destOrd="0" parTransId="{7C9AE976-2CCF-41A0-A86E-F135E4DDADF6}" sibTransId="{EAFBF01F-888B-417D-944B-02C17E0281FA}"/>
+    <dgm:cxn modelId="{E114A174-C96C-44A4-9DF1-4916130731F1}" type="presOf" srcId="{1197B809-D8A8-445F-954D-7D0DB77EB290}" destId="{3F4B5336-5D84-4184-89A7-EEEE42E39CEE}" srcOrd="0" destOrd="0" presId="urn:microsoft.com/office/officeart/2005/8/layout/vList2"/>
     <dgm:cxn modelId="{504FCB0C-8004-4E5F-B0CC-F3BD76A3B213}" type="presOf" srcId="{71E040A0-225E-478F-B0F7-F62ADA355FD8}" destId="{6370C4C0-DCD1-4848-A206-A3890AD5BB2F}" srcOrd="0" destOrd="0" presId="urn:microsoft.com/office/officeart/2005/8/layout/vList2"/>
+    <dgm:cxn modelId="{FAB0F706-59E1-47DF-9C5E-1EEAF0E8BC50}" srcId="{5935567E-06A3-4FA9-AD43-73182E6DC63A}" destId="{2E40A2D2-A90F-4818-819E-559A4B32F0C2}" srcOrd="0" destOrd="0" parTransId="{DE0F6D86-4767-47A8-973B-457237437628}" sibTransId="{F8F7F57D-BCBA-4201-A54B-554B2D5D5306}"/>
+    <dgm:cxn modelId="{70E970AF-5CF2-4282-BBDA-976F8D308426}" srcId="{3C889873-A69A-4A7A-AC12-E4F452CD6DEC}" destId="{5935567E-06A3-4FA9-AD43-73182E6DC63A}" srcOrd="0" destOrd="0" parTransId="{0F3FA7DB-2406-4697-BD36-D865B7D14450}" sibTransId="{58FD042E-C815-42B1-B0BB-C9EB4EB3EE7A}"/>
     <dgm:cxn modelId="{FBF9235B-2359-4F3C-88AB-A1BEE1B4A18B}" srcId="{3C889873-A69A-4A7A-AC12-E4F452CD6DEC}" destId="{71E040A0-225E-478F-B0F7-F62ADA355FD8}" srcOrd="1" destOrd="0" parTransId="{2F604F01-0AAB-418B-BFBC-634ED4FB4617}" sibTransId="{0945866B-C2E8-4B9E-A977-FEBD903673A0}"/>
     <dgm:cxn modelId="{6268A334-3E3D-4E51-8A7F-449F6713680F}" type="presOf" srcId="{2E40A2D2-A90F-4818-819E-559A4B32F0C2}" destId="{C1663139-FB31-4872-9AC8-1FB8E5922FDD}" srcOrd="0" destOrd="0" presId="urn:microsoft.com/office/officeart/2005/8/layout/vList2"/>
-    <dgm:cxn modelId="{F385B72B-CB8B-4C9B-BE64-90B93F01F3BA}" type="presOf" srcId="{3C889873-A69A-4A7A-AC12-E4F452CD6DEC}" destId="{0B3B7378-459D-4493-B7B9-DA931965AEAF}" srcOrd="0" destOrd="0" presId="urn:microsoft.com/office/officeart/2005/8/layout/vList2"/>
-    <dgm:cxn modelId="{E114A174-C96C-44A4-9DF1-4916130731F1}" type="presOf" srcId="{1197B809-D8A8-445F-954D-7D0DB77EB290}" destId="{3F4B5336-5D84-4184-89A7-EEEE42E39CEE}" srcOrd="0" destOrd="0" presId="urn:microsoft.com/office/officeart/2005/8/layout/vList2"/>
-    <dgm:cxn modelId="{E07E4810-6083-42A1-B98A-DB68796BA1DF}" type="presOf" srcId="{5935567E-06A3-4FA9-AD43-73182E6DC63A}" destId="{AFC102AD-2A1E-493E-84BD-BFA1D1397BF1}" srcOrd="0" destOrd="0" presId="urn:microsoft.com/office/officeart/2005/8/layout/vList2"/>
-    <dgm:cxn modelId="{FAB0F706-59E1-47DF-9C5E-1EEAF0E8BC50}" srcId="{5935567E-06A3-4FA9-AD43-73182E6DC63A}" destId="{2E40A2D2-A90F-4818-819E-559A4B32F0C2}" srcOrd="0" destOrd="0" parTransId="{DE0F6D86-4767-47A8-973B-457237437628}" sibTransId="{F8F7F57D-BCBA-4201-A54B-554B2D5D5306}"/>
-    <dgm:cxn modelId="{70E970AF-5CF2-4282-BBDA-976F8D308426}" srcId="{3C889873-A69A-4A7A-AC12-E4F452CD6DEC}" destId="{5935567E-06A3-4FA9-AD43-73182E6DC63A}" srcOrd="0" destOrd="0" parTransId="{0F3FA7DB-2406-4697-BD36-D865B7D14450}" sibTransId="{58FD042E-C815-42B1-B0BB-C9EB4EB3EE7A}"/>
-    <dgm:cxn modelId="{ED0CCFD9-6EEA-42E0-BEA3-D4E4C9719E63}" srcId="{71E040A0-225E-478F-B0F7-F62ADA355FD8}" destId="{1197B809-D8A8-445F-954D-7D0DB77EB290}" srcOrd="0" destOrd="0" parTransId="{7C9AE976-2CCF-41A0-A86E-F135E4DDADF6}" sibTransId="{EAFBF01F-888B-417D-944B-02C17E0281FA}"/>
     <dgm:cxn modelId="{DB4EC924-1B71-4B3E-8C85-200DFB9491E1}" type="presParOf" srcId="{0B3B7378-459D-4493-B7B9-DA931965AEAF}" destId="{AFC102AD-2A1E-493E-84BD-BFA1D1397BF1}" srcOrd="0" destOrd="0" presId="urn:microsoft.com/office/officeart/2005/8/layout/vList2"/>
     <dgm:cxn modelId="{8354B55A-A30C-48A4-BC4E-029AB6247A50}" type="presParOf" srcId="{0B3B7378-459D-4493-B7B9-DA931965AEAF}" destId="{C1663139-FB31-4872-9AC8-1FB8E5922FDD}" srcOrd="1" destOrd="0" presId="urn:microsoft.com/office/officeart/2005/8/layout/vList2"/>
     <dgm:cxn modelId="{547AC2C1-310D-452F-BBF5-71F7A0BCBCFA}" type="presParOf" srcId="{0B3B7378-459D-4493-B7B9-DA931965AEAF}" destId="{6370C4C0-DCD1-4848-A206-A3890AD5BB2F}" srcOrd="2" destOrd="0" presId="urn:microsoft.com/office/officeart/2005/8/layout/vList2"/>
@@ -3523,6 +3537,13 @@
         </dgm:presLayoutVars>
       </dgm:prSet>
       <dgm:spPr/>
+      <dgm:t>
+        <a:bodyPr/>
+        <a:lstStyle/>
+        <a:p>
+          <a:endParaRPr lang="en-US"/>
+        </a:p>
+      </dgm:t>
     </dgm:pt>
     <dgm:pt modelId="{AFC102AD-2A1E-493E-84BD-BFA1D1397BF1}" type="pres">
       <dgm:prSet presAssocID="{5935567E-06A3-4FA9-AD43-73182E6DC63A}" presName="parentText" presStyleLbl="node1" presStyleIdx="0" presStyleCnt="2" custScaleY="100001">
@@ -3532,6 +3553,13 @@
         </dgm:presLayoutVars>
       </dgm:prSet>
       <dgm:spPr/>
+      <dgm:t>
+        <a:bodyPr/>
+        <a:lstStyle/>
+        <a:p>
+          <a:endParaRPr lang="en-US"/>
+        </a:p>
+      </dgm:t>
     </dgm:pt>
     <dgm:pt modelId="{C1663139-FB31-4872-9AC8-1FB8E5922FDD}" type="pres">
       <dgm:prSet presAssocID="{5935567E-06A3-4FA9-AD43-73182E6DC63A}" presName="childText" presStyleLbl="revTx" presStyleIdx="0" presStyleCnt="2">
@@ -3775,6 +3803,13 @@
         </dgm:presLayoutVars>
       </dgm:prSet>
       <dgm:spPr/>
+      <dgm:t>
+        <a:bodyPr/>
+        <a:lstStyle/>
+        <a:p>
+          <a:endParaRPr lang="en-US"/>
+        </a:p>
+      </dgm:t>
     </dgm:pt>
     <dgm:pt modelId="{AFC102AD-2A1E-493E-84BD-BFA1D1397BF1}" type="pres">
       <dgm:prSet presAssocID="{5935567E-06A3-4FA9-AD43-73182E6DC63A}" presName="parentText" presStyleLbl="node1" presStyleIdx="0" presStyleCnt="2">
@@ -4034,15 +4069,29 @@
         </dgm:presLayoutVars>
       </dgm:prSet>
       <dgm:spPr/>
+      <dgm:t>
+        <a:bodyPr/>
+        <a:lstStyle/>
+        <a:p>
+          <a:endParaRPr lang="en-US"/>
+        </a:p>
+      </dgm:t>
     </dgm:pt>
     <dgm:pt modelId="{AFC102AD-2A1E-493E-84BD-BFA1D1397BF1}" type="pres">
-      <dgm:prSet presAssocID="{5935567E-06A3-4FA9-AD43-73182E6DC63A}" presName="parentText" presStyleLbl="node1" presStyleIdx="0" presStyleCnt="2">
+      <dgm:prSet presAssocID="{5935567E-06A3-4FA9-AD43-73182E6DC63A}" presName="parentText" presStyleLbl="node1" presStyleIdx="0" presStyleCnt="2" custLinFactNeighborX="-1053" custLinFactNeighborY="144">
         <dgm:presLayoutVars>
           <dgm:chMax val="0"/>
           <dgm:bulletEnabled val="1"/>
         </dgm:presLayoutVars>
       </dgm:prSet>
       <dgm:spPr/>
+      <dgm:t>
+        <a:bodyPr/>
+        <a:lstStyle/>
+        <a:p>
+          <a:endParaRPr lang="en-US"/>
+        </a:p>
+      </dgm:t>
     </dgm:pt>
     <dgm:pt modelId="{C1663139-FB31-4872-9AC8-1FB8E5922FDD}" type="pres">
       <dgm:prSet presAssocID="{5935567E-06A3-4FA9-AD43-73182E6DC63A}" presName="childText" presStyleLbl="revTx" presStyleIdx="0" presStyleCnt="2">
@@ -4995,7 +5044,7 @@
       </dsp:nvSpPr>
       <dsp:spPr>
         <a:xfrm>
-          <a:off x="0" y="36468"/>
+          <a:off x="0" y="38232"/>
           <a:ext cx="2961410" cy="1138391"/>
         </a:xfrm>
         <a:prstGeom prst="roundRect">
@@ -5061,7 +5110,7 @@
         </a:p>
       </dsp:txBody>
       <dsp:txXfrm>
-        <a:off x="55572" y="92040"/>
+        <a:off x="55572" y="93804"/>
         <a:ext cx="2850266" cy="1027247"/>
       </dsp:txXfrm>
     </dsp:sp>
@@ -15959,13 +16008,13 @@
           <p:nvPr>
             <p:extLst>
               <p:ext uri="{D42A27DB-BD31-4B8C-83A1-F6EECF244321}">
-                <p14:modId xmlns:p14="http://schemas.microsoft.com/office/powerpoint/2010/main" val="1036500329"/>
+                <p14:modId xmlns:p14="http://schemas.microsoft.com/office/powerpoint/2010/main" val="4108536493"/>
               </p:ext>
             </p:extLst>
           </p:nvPr>
         </p:nvGraphicFramePr>
         <p:xfrm>
-          <a:off x="3719945" y="602673"/>
+          <a:off x="3621231" y="772421"/>
           <a:ext cx="2763982" cy="4800600"/>
         </p:xfrm>
         <a:graphic>
@@ -15981,13 +16030,13 @@
           <p:nvPr>
             <p:extLst>
               <p:ext uri="{D42A27DB-BD31-4B8C-83A1-F6EECF244321}">
-                <p14:modId xmlns:p14="http://schemas.microsoft.com/office/powerpoint/2010/main" val="209610480"/>
+                <p14:modId xmlns:p14="http://schemas.microsoft.com/office/powerpoint/2010/main" val="302697430"/>
               </p:ext>
             </p:extLst>
           </p:nvPr>
         </p:nvGraphicFramePr>
         <p:xfrm>
-          <a:off x="155862" y="789709"/>
+          <a:off x="155862" y="902686"/>
           <a:ext cx="3366655" cy="4613564"/>
         </p:xfrm>
         <a:graphic>
@@ -16003,13 +16052,13 @@
           <p:nvPr>
             <p:extLst>
               <p:ext uri="{D42A27DB-BD31-4B8C-83A1-F6EECF244321}">
-                <p14:modId xmlns:p14="http://schemas.microsoft.com/office/powerpoint/2010/main" val="4178999784"/>
+                <p14:modId xmlns:p14="http://schemas.microsoft.com/office/powerpoint/2010/main" val="1643472390"/>
               </p:ext>
             </p:extLst>
           </p:nvPr>
         </p:nvGraphicFramePr>
         <p:xfrm>
-          <a:off x="155862" y="5209309"/>
+          <a:off x="155862" y="5327073"/>
           <a:ext cx="3366655" cy="4800600"/>
         </p:xfrm>
         <a:graphic>
@@ -16025,13 +16074,13 @@
           <p:nvPr>
             <p:extLst>
               <p:ext uri="{D42A27DB-BD31-4B8C-83A1-F6EECF244321}">
-                <p14:modId xmlns:p14="http://schemas.microsoft.com/office/powerpoint/2010/main" val="3598456584"/>
+                <p14:modId xmlns:p14="http://schemas.microsoft.com/office/powerpoint/2010/main" val="3478290739"/>
               </p:ext>
             </p:extLst>
           </p:nvPr>
         </p:nvGraphicFramePr>
         <p:xfrm>
-          <a:off x="3667990" y="5181600"/>
+          <a:off x="3621231" y="5327073"/>
           <a:ext cx="2961410" cy="4800600"/>
         </p:xfrm>
         <a:graphic>
@@ -16040,6 +16089,44 @@
           </a:graphicData>
         </a:graphic>
       </p:graphicFrame>
+      <p:sp>
+        <p:nvSpPr>
+          <p:cNvPr id="2" name="TextBox 1"/>
+          <p:cNvSpPr txBox="1"/>
+          <p:nvPr/>
+        </p:nvSpPr>
+        <p:spPr>
+          <a:xfrm>
+            <a:off x="1766455" y="-12784"/>
+            <a:ext cx="4717472" cy="1015663"/>
+          </a:xfrm>
+          <a:prstGeom prst="rect">
+            <a:avLst/>
+          </a:prstGeom>
+          <a:noFill/>
+        </p:spPr>
+        <p:txBody>
+          <a:bodyPr wrap="square" rtlCol="0">
+            <a:spAutoFit/>
+          </a:bodyPr>
+          <a:lstStyle/>
+          <a:p>
+            <a:r>
+              <a:rPr lang="sa-IN" sz="6000" dirty="0" smtClean="0">
+                <a:solidFill>
+                  <a:srgbClr val="FF0000"/>
+                </a:solidFill>
+              </a:rPr>
+              <a:t>स्वर-संधयः</a:t>
+            </a:r>
+            <a:endParaRPr lang="en-IN" sz="6000" dirty="0">
+              <a:solidFill>
+                <a:srgbClr val="FF0000"/>
+              </a:solidFill>
+            </a:endParaRPr>
+          </a:p>
+        </p:txBody>
+      </p:sp>
     </p:spTree>
     <p:extLst>
       <p:ext uri="{BB962C8B-B14F-4D97-AF65-F5344CB8AC3E}">
